--- a/src/ppt/讲解022【必备】归并分治-小和问题.pptx
+++ b/src/ppt/讲解022【必备】归并分治-小和问题.pptx
@@ -3824,49 +3824,7 @@
       </p:grpSpPr>
       <p:sp>
         <p:nvSpPr>
-          <p:cNvPr id="151" name="前置知识：归并排序"/>
-          <p:cNvSpPr txBox="1"/>
-          <p:nvPr>
-            <p:ph type="body" idx="21"/>
-          </p:nvPr>
-        </p:nvSpPr>
-        <p:spPr>
-          <a:xfrm>
-            <a:off x="1206499" y="3046147"/>
-            <a:ext cx="21971002" cy="1747335"/>
-          </a:xfrm>
-          <a:prstGeom prst="rect">
-            <a:avLst/>
-          </a:prstGeom>
-          <a:extLst>
-            <a:ext uri="{C572A759-6A51-4108-AA02-DFA0A04FC94B}">
-              <ma14:wrappingTextBoxFlag xmlns:ma14="http://schemas.microsoft.com/office/mac/drawingml/2011/main" val="1"/>
-            </a:ext>
-          </a:extLst>
-        </p:spPr>
-        <p:txBody>
-          <a:bodyPr/>
-          <a:lstStyle>
-            <a:lvl1pPr>
-              <a:defRPr b="0">
-                <a:latin typeface="Monaco"/>
-                <a:ea typeface="Monaco"/>
-                <a:cs typeface="Monaco"/>
-                <a:sym typeface="Monaco"/>
-              </a:defRPr>
-            </a:lvl1pPr>
-          </a:lstStyle>
-          <a:p>
-            <a:pPr/>
-            <a:r>
-              <a:t>前置知识：归并排序</a:t>
-            </a:r>
-          </a:p>
-        </p:txBody>
-      </p:sp>
-      <p:sp>
-        <p:nvSpPr>
-          <p:cNvPr id="152" name="归并分治-小和问题"/>
+          <p:cNvPr id="151" name="归并分治-小和问题"/>
           <p:cNvSpPr txBox="1"/>
           <p:nvPr>
             <p:ph type="ctrTitle"/>
@@ -3906,14 +3864,14 @@
       </p:sp>
       <p:sp>
         <p:nvSpPr>
-          <p:cNvPr id="153" name="假设数组 s = [1, 3, 5, 2, 4, 6]…"/>
+          <p:cNvPr id="152" name="前置知识：讲解021-归并排序…"/>
           <p:cNvSpPr txBox="1"/>
           <p:nvPr/>
         </p:nvSpPr>
         <p:spPr>
           <a:xfrm>
-            <a:off x="1206499" y="4572391"/>
-            <a:ext cx="21971002" cy="7153948"/>
+            <a:off x="1206499" y="2978820"/>
+            <a:ext cx="22145993" cy="9365108"/>
           </a:xfrm>
           <a:prstGeom prst="rect">
             <a:avLst/>
@@ -3933,8 +3891,8 @@
           </a:bodyPr>
           <a:lstStyle/>
           <a:p>
-            <a:pPr algn="l" defTabSz="374904">
-              <a:defRPr sz="2952">
+            <a:pPr algn="l" defTabSz="767715">
+              <a:defRPr sz="3348">
                 <a:solidFill>
                   <a:srgbClr val="000000"/>
                 </a:solidFill>
@@ -3945,12 +3903,12 @@
               </a:defRPr>
             </a:pPr>
             <a:r>
-              <a:t>假设数组 s = [1, 3, 5, 2, 4, 6]</a:t>
-            </a:r>
-          </a:p>
-          <a:p>
-            <a:pPr algn="l" defTabSz="374904">
-              <a:defRPr sz="2952">
+              <a:t>前置知识：讲解021-归并排序</a:t>
+            </a:r>
+          </a:p>
+          <a:p>
+            <a:pPr algn="l" defTabSz="767715">
+              <a:defRPr sz="3348">
                 <a:solidFill>
                   <a:srgbClr val="000000"/>
                 </a:solidFill>
@@ -3960,13 +3918,10 @@
                 <a:sym typeface="Monaco"/>
               </a:defRPr>
             </a:pPr>
-            <a:r>
-              <a:t>在s[0]的左边所有 &lt;= s[0]的数的总和为0</a:t>
-            </a:r>
-          </a:p>
-          <a:p>
-            <a:pPr algn="l" defTabSz="374904">
-              <a:defRPr sz="2952">
+          </a:p>
+          <a:p>
+            <a:pPr algn="l" defTabSz="425195">
+              <a:defRPr sz="3348">
                 <a:solidFill>
                   <a:srgbClr val="000000"/>
                 </a:solidFill>
@@ -3977,12 +3932,12 @@
               </a:defRPr>
             </a:pPr>
             <a:r>
-              <a:t>在s[1]的左边所有 &lt;= s[1]的数的总和为1</a:t>
-            </a:r>
-          </a:p>
-          <a:p>
-            <a:pPr algn="l" defTabSz="374904">
-              <a:defRPr sz="2952">
+              <a:t>假设数组 s = [1, 3, 5, 2, 4, 6]</a:t>
+            </a:r>
+          </a:p>
+          <a:p>
+            <a:pPr algn="l" defTabSz="425195">
+              <a:defRPr sz="3348">
                 <a:solidFill>
                   <a:srgbClr val="000000"/>
                 </a:solidFill>
@@ -3993,12 +3948,12 @@
               </a:defRPr>
             </a:pPr>
             <a:r>
-              <a:t>在s[2]的左边所有 &lt;= s[2]的数的总和为4</a:t>
-            </a:r>
-          </a:p>
-          <a:p>
-            <a:pPr algn="l" defTabSz="374904">
-              <a:defRPr sz="2952">
+              <a:t>在s[0]的左边所有 &lt;= s[0]的数的总和为0</a:t>
+            </a:r>
+          </a:p>
+          <a:p>
+            <a:pPr algn="l" defTabSz="425195">
+              <a:defRPr sz="3348">
                 <a:solidFill>
                   <a:srgbClr val="000000"/>
                 </a:solidFill>
@@ -4009,12 +3964,12 @@
               </a:defRPr>
             </a:pPr>
             <a:r>
-              <a:t>在s[3]的左边所有 &lt;= s[3]的数的总和为1</a:t>
-            </a:r>
-          </a:p>
-          <a:p>
-            <a:pPr algn="l" defTabSz="374904">
-              <a:defRPr sz="2952">
+              <a:t>在s[1]的左边所有 &lt;= s[1]的数的总和为1</a:t>
+            </a:r>
+          </a:p>
+          <a:p>
+            <a:pPr algn="l" defTabSz="425195">
+              <a:defRPr sz="3348">
                 <a:solidFill>
                   <a:srgbClr val="000000"/>
                 </a:solidFill>
@@ -4025,12 +3980,12 @@
               </a:defRPr>
             </a:pPr>
             <a:r>
-              <a:t>在s[4]的左边所有 &lt;= s[4]的数的总和为6</a:t>
-            </a:r>
-          </a:p>
-          <a:p>
-            <a:pPr algn="l" defTabSz="374904">
-              <a:defRPr sz="2952">
+              <a:t>在s[2]的左边所有 &lt;= s[2]的数的总和为4</a:t>
+            </a:r>
+          </a:p>
+          <a:p>
+            <a:pPr algn="l" defTabSz="425195">
+              <a:defRPr sz="3348">
                 <a:solidFill>
                   <a:srgbClr val="000000"/>
                 </a:solidFill>
@@ -4041,12 +3996,12 @@
               </a:defRPr>
             </a:pPr>
             <a:r>
-              <a:t>在s[5]的左边所有 &lt;= s[5]的数的总和为15</a:t>
-            </a:r>
-          </a:p>
-          <a:p>
-            <a:pPr algn="l" defTabSz="374904">
-              <a:defRPr sz="2952">
+              <a:t>在s[3]的左边所有 &lt;= s[3]的数的总和为1</a:t>
+            </a:r>
+          </a:p>
+          <a:p>
+            <a:pPr algn="l" defTabSz="425195">
+              <a:defRPr sz="3348">
                 <a:solidFill>
                   <a:srgbClr val="000000"/>
                 </a:solidFill>
@@ -4057,12 +4012,12 @@
               </a:defRPr>
             </a:pPr>
             <a:r>
-              <a:t>所以s数组的“小和”为 : 0 + 1 + 4 + 1 + 6 + 15 = 27</a:t>
-            </a:r>
-          </a:p>
-          <a:p>
-            <a:pPr algn="l" defTabSz="374904">
-              <a:defRPr sz="2952">
+              <a:t>在s[4]的左边所有 &lt;= s[4]的数的总和为6</a:t>
+            </a:r>
+          </a:p>
+          <a:p>
+            <a:pPr algn="l" defTabSz="425195">
+              <a:defRPr sz="3348">
                 <a:solidFill>
                   <a:srgbClr val="000000"/>
                 </a:solidFill>
@@ -4073,12 +4028,44 @@
               </a:defRPr>
             </a:pPr>
             <a:r>
+              <a:t>在s[5]的左边所有 &lt;= s[5]的数的总和为15</a:t>
+            </a:r>
+          </a:p>
+          <a:p>
+            <a:pPr algn="l" defTabSz="425195">
+              <a:defRPr sz="3348">
+                <a:solidFill>
+                  <a:srgbClr val="000000"/>
+                </a:solidFill>
+                <a:latin typeface="Monaco"/>
+                <a:ea typeface="Monaco"/>
+                <a:cs typeface="Monaco"/>
+                <a:sym typeface="Monaco"/>
+              </a:defRPr>
+            </a:pPr>
+            <a:r>
+              <a:t>所以s数组的“小和”为 : 0 + 1 + 4 + 1 + 6 + 15 = 27</a:t>
+            </a:r>
+          </a:p>
+          <a:p>
+            <a:pPr algn="l" defTabSz="425195">
+              <a:defRPr sz="3348">
+                <a:solidFill>
+                  <a:srgbClr val="000000"/>
+                </a:solidFill>
+                <a:latin typeface="Monaco"/>
+                <a:ea typeface="Monaco"/>
+                <a:cs typeface="Monaco"/>
+                <a:sym typeface="Monaco"/>
+              </a:defRPr>
+            </a:pPr>
+            <a:r>
               <a:t>给定一个数组arr，实现函数返回arr的“小和”</a:t>
             </a:r>
           </a:p>
           <a:p>
-            <a:pPr algn="l" defTabSz="374904">
-              <a:defRPr sz="2952" u="sng">
+            <a:pPr algn="l" defTabSz="425195">
+              <a:defRPr sz="3348" u="sng">
                 <a:solidFill>
                   <a:srgbClr val="0000EE"/>
                 </a:solidFill>
@@ -4103,8 +4090,8 @@
             </a:endParaRPr>
           </a:p>
           <a:p>
-            <a:pPr algn="l" defTabSz="374904">
-              <a:defRPr sz="2952">
+            <a:pPr algn="l" defTabSz="425195">
+              <a:defRPr sz="3348">
                 <a:solidFill>
                   <a:srgbClr val="4E9072"/>
                 </a:solidFill>
@@ -4127,8 +4114,8 @@
             </a:endParaRPr>
           </a:p>
           <a:p>
-            <a:pPr algn="l" defTabSz="374904">
-              <a:defRPr sz="2952">
+            <a:pPr algn="l" defTabSz="425195">
+              <a:defRPr sz="3348">
                 <a:solidFill>
                   <a:srgbClr val="4E9072"/>
                 </a:solidFill>
@@ -4145,8 +4132,8 @@
             </a:endParaRPr>
           </a:p>
           <a:p>
-            <a:pPr algn="l" defTabSz="374904">
-              <a:defRPr sz="2952">
+            <a:pPr algn="l" defTabSz="425195">
+              <a:defRPr sz="3348">
                 <a:solidFill>
                   <a:srgbClr val="000000"/>
                 </a:solidFill>
@@ -4164,7 +4151,7 @@
       </p:sp>
       <p:sp>
         <p:nvSpPr>
-          <p:cNvPr id="154" name="左程云"/>
+          <p:cNvPr id="153" name="左程云"/>
           <p:cNvSpPr txBox="1"/>
           <p:nvPr/>
         </p:nvSpPr>
